--- a/uploads/MOMOHAIRSTYLE2.0.pptx
+++ b/uploads/MOMOHAIRSTYLE2.0.pptx
@@ -105,6 +105,11 @@
       </a:defRPr>
     </a:lvl9pPr>
   </p:defaultTextStyle>
+  <p:extLst>
+    <p:ext uri="{EFAFB233-063F-42B5-8137-9DF3F51BA10A}">
+      <p15:sldGuideLst xmlns:p15="http://schemas.microsoft.com/office/powerpoint/2012/main"/>
+    </p:ext>
+  </p:extLst>
 </p:presentation>
 </file>
 
@@ -255,7 +260,7 @@
           <a:p>
             <a:fld id="{09A81EC2-38A6-CD47-B590-C2822F53E89B}" type="datetimeFigureOut">
               <a:rPr kumimoji="1" lang="zh-TW" altLang="en-US" smtClean="0"/>
-              <a:t>2026/1/23</a:t>
+              <a:t>2026/1/28</a:t>
             </a:fld>
             <a:endParaRPr kumimoji="1" lang="zh-TW" altLang="en-US"/>
           </a:p>
@@ -453,7 +458,7 @@
           <a:p>
             <a:fld id="{09A81EC2-38A6-CD47-B590-C2822F53E89B}" type="datetimeFigureOut">
               <a:rPr kumimoji="1" lang="zh-TW" altLang="en-US" smtClean="0"/>
-              <a:t>2026/1/23</a:t>
+              <a:t>2026/1/28</a:t>
             </a:fld>
             <a:endParaRPr kumimoji="1" lang="zh-TW" altLang="en-US"/>
           </a:p>
@@ -661,7 +666,7 @@
           <a:p>
             <a:fld id="{09A81EC2-38A6-CD47-B590-C2822F53E89B}" type="datetimeFigureOut">
               <a:rPr kumimoji="1" lang="zh-TW" altLang="en-US" smtClean="0"/>
-              <a:t>2026/1/23</a:t>
+              <a:t>2026/1/28</a:t>
             </a:fld>
             <a:endParaRPr kumimoji="1" lang="zh-TW" altLang="en-US"/>
           </a:p>
@@ -859,7 +864,7 @@
           <a:p>
             <a:fld id="{09A81EC2-38A6-CD47-B590-C2822F53E89B}" type="datetimeFigureOut">
               <a:rPr kumimoji="1" lang="zh-TW" altLang="en-US" smtClean="0"/>
-              <a:t>2026/1/23</a:t>
+              <a:t>2026/1/28</a:t>
             </a:fld>
             <a:endParaRPr kumimoji="1" lang="zh-TW" altLang="en-US"/>
           </a:p>
@@ -1134,7 +1139,7 @@
           <a:p>
             <a:fld id="{09A81EC2-38A6-CD47-B590-C2822F53E89B}" type="datetimeFigureOut">
               <a:rPr kumimoji="1" lang="zh-TW" altLang="en-US" smtClean="0"/>
-              <a:t>2026/1/23</a:t>
+              <a:t>2026/1/28</a:t>
             </a:fld>
             <a:endParaRPr kumimoji="1" lang="zh-TW" altLang="en-US"/>
           </a:p>
@@ -1399,7 +1404,7 @@
           <a:p>
             <a:fld id="{09A81EC2-38A6-CD47-B590-C2822F53E89B}" type="datetimeFigureOut">
               <a:rPr kumimoji="1" lang="zh-TW" altLang="en-US" smtClean="0"/>
-              <a:t>2026/1/23</a:t>
+              <a:t>2026/1/28</a:t>
             </a:fld>
             <a:endParaRPr kumimoji="1" lang="zh-TW" altLang="en-US"/>
           </a:p>
@@ -1811,7 +1816,7 @@
           <a:p>
             <a:fld id="{09A81EC2-38A6-CD47-B590-C2822F53E89B}" type="datetimeFigureOut">
               <a:rPr kumimoji="1" lang="zh-TW" altLang="en-US" smtClean="0"/>
-              <a:t>2026/1/23</a:t>
+              <a:t>2026/1/28</a:t>
             </a:fld>
             <a:endParaRPr kumimoji="1" lang="zh-TW" altLang="en-US"/>
           </a:p>
@@ -1952,7 +1957,7 @@
           <a:p>
             <a:fld id="{09A81EC2-38A6-CD47-B590-C2822F53E89B}" type="datetimeFigureOut">
               <a:rPr kumimoji="1" lang="zh-TW" altLang="en-US" smtClean="0"/>
-              <a:t>2026/1/23</a:t>
+              <a:t>2026/1/28</a:t>
             </a:fld>
             <a:endParaRPr kumimoji="1" lang="zh-TW" altLang="en-US"/>
           </a:p>
@@ -2065,7 +2070,7 @@
           <a:p>
             <a:fld id="{09A81EC2-38A6-CD47-B590-C2822F53E89B}" type="datetimeFigureOut">
               <a:rPr kumimoji="1" lang="zh-TW" altLang="en-US" smtClean="0"/>
-              <a:t>2026/1/23</a:t>
+              <a:t>2026/1/28</a:t>
             </a:fld>
             <a:endParaRPr kumimoji="1" lang="zh-TW" altLang="en-US"/>
           </a:p>
@@ -2376,7 +2381,7 @@
           <a:p>
             <a:fld id="{09A81EC2-38A6-CD47-B590-C2822F53E89B}" type="datetimeFigureOut">
               <a:rPr kumimoji="1" lang="zh-TW" altLang="en-US" smtClean="0"/>
-              <a:t>2026/1/23</a:t>
+              <a:t>2026/1/28</a:t>
             </a:fld>
             <a:endParaRPr kumimoji="1" lang="zh-TW" altLang="en-US"/>
           </a:p>
@@ -2664,7 +2669,7 @@
           <a:p>
             <a:fld id="{09A81EC2-38A6-CD47-B590-C2822F53E89B}" type="datetimeFigureOut">
               <a:rPr kumimoji="1" lang="zh-TW" altLang="en-US" smtClean="0"/>
-              <a:t>2026/1/23</a:t>
+              <a:t>2026/1/28</a:t>
             </a:fld>
             <a:endParaRPr kumimoji="1" lang="zh-TW" altLang="en-US"/>
           </a:p>
@@ -2905,7 +2910,7 @@
           <a:p>
             <a:fld id="{09A81EC2-38A6-CD47-B590-C2822F53E89B}" type="datetimeFigureOut">
               <a:rPr kumimoji="1" lang="zh-TW" altLang="en-US" smtClean="0"/>
-              <a:t>2026/1/23</a:t>
+              <a:t>2026/1/28</a:t>
             </a:fld>
             <a:endParaRPr kumimoji="1" lang="zh-TW" altLang="en-US"/>
           </a:p>
@@ -4105,117 +4110,20 @@
       </p:sp>
       <p:sp>
         <p:nvSpPr>
-          <p:cNvPr id="2" name="標題 1">
-            <a:extLst>
-              <a:ext uri="{FF2B5EF4-FFF2-40B4-BE49-F238E27FC236}">
-                <a16:creationId xmlns:a16="http://schemas.microsoft.com/office/drawing/2014/main" id="{AC531B7C-4FED-1688-B362-CF3863F48D67}"/>
-              </a:ext>
-            </a:extLst>
-          </p:cNvPr>
-          <p:cNvSpPr>
-            <a:spLocks noGrp="1"/>
-          </p:cNvSpPr>
-          <p:nvPr>
-            <p:ph type="ctrTitle"/>
-          </p:nvPr>
+          <p:cNvPr id="7" name="文字方塊 6">
+            <a:extLst>
+              <a:ext uri="{FF2B5EF4-FFF2-40B4-BE49-F238E27FC236}">
+                <a16:creationId xmlns:a16="http://schemas.microsoft.com/office/drawing/2014/main" id="{F053BAB4-BE2E-F0D2-24C5-AEBBB839786B}"/>
+              </a:ext>
+            </a:extLst>
+          </p:cNvPr>
+          <p:cNvSpPr txBox="1"/>
+          <p:nvPr/>
         </p:nvSpPr>
         <p:spPr>
           <a:xfrm>
-            <a:off x="5181600" y="1563457"/>
-            <a:ext cx="6068290" cy="2013671"/>
-          </a:xfrm>
-        </p:spPr>
-        <p:txBody>
-          <a:bodyPr anchor="ctr">
-            <a:noAutofit/>
-          </a:bodyPr>
-          <a:lstStyle/>
-          <a:p>
-            <a:pPr algn="r"/>
-            <a:r>
-              <a:rPr kumimoji="1" lang="en-US" altLang="zh-TW" sz="14000" b="1" dirty="0">
-                <a:latin typeface=""/>
-                <a:ea typeface="Hannotate TC" panose="03000500000000000000" pitchFamily="66" charset="-120"/>
-              </a:rPr>
-              <a:t>STYLE</a:t>
-            </a:r>
-            <a:endParaRPr kumimoji="1" lang="zh-TW" altLang="en-US" sz="14000" b="1" dirty="0">
-              <a:latin typeface=""/>
-              <a:ea typeface="Hannotate TC" panose="03000500000000000000" pitchFamily="66" charset="-120"/>
-            </a:endParaRPr>
-          </a:p>
-        </p:txBody>
-      </p:sp>
-      <p:sp>
-        <p:nvSpPr>
-          <p:cNvPr id="5" name="文字方塊 4">
-            <a:extLst>
-              <a:ext uri="{FF2B5EF4-FFF2-40B4-BE49-F238E27FC236}">
-                <a16:creationId xmlns:a16="http://schemas.microsoft.com/office/drawing/2014/main" id="{9C13B24A-0166-B514-6C96-5B6808F56423}"/>
-              </a:ext>
-            </a:extLst>
-          </p:cNvPr>
-          <p:cNvSpPr txBox="1"/>
-          <p:nvPr/>
-        </p:nvSpPr>
-        <p:spPr>
-          <a:xfrm>
-            <a:off x="6664035" y="3593638"/>
-            <a:ext cx="4585855" cy="1729356"/>
-          </a:xfrm>
-          <a:prstGeom prst="rect">
-            <a:avLst/>
-          </a:prstGeom>
-        </p:spPr>
-        <p:txBody>
-          <a:bodyPr vert="horz" lIns="91440" tIns="45720" rIns="91440" bIns="45720" rtlCol="0" anchor="ctr">
-            <a:noAutofit/>
-          </a:bodyPr>
-          <a:lstStyle>
-            <a:defPPr>
-              <a:defRPr lang="zh-TW"/>
-            </a:defPPr>
-            <a:lvl1pPr algn="ctr">
-              <a:lnSpc>
-                <a:spcPct val="90000"/>
-              </a:lnSpc>
-              <a:spcBef>
-                <a:spcPct val="0"/>
-              </a:spcBef>
-              <a:buNone/>
-              <a:defRPr kumimoji="1" sz="14000" b="1">
-                <a:latin typeface=""/>
-                <a:ea typeface="Hannotate TC" panose="03000500000000000000" pitchFamily="66" charset="-120"/>
-                <a:cs typeface="+mj-cs"/>
-              </a:defRPr>
-            </a:lvl1pPr>
-          </a:lstStyle>
-          <a:p>
-            <a:pPr algn="r"/>
-            <a:r>
-              <a:rPr lang="en-US" altLang="zh-TW" dirty="0"/>
-              <a:t>MO</a:t>
-            </a:r>
-            <a:endParaRPr lang="zh-TW" altLang="en-US" dirty="0"/>
-          </a:p>
-        </p:txBody>
-      </p:sp>
-      <p:sp>
-        <p:nvSpPr>
-          <p:cNvPr id="7" name="文字方塊 6">
-            <a:extLst>
-              <a:ext uri="{FF2B5EF4-FFF2-40B4-BE49-F238E27FC236}">
-                <a16:creationId xmlns:a16="http://schemas.microsoft.com/office/drawing/2014/main" id="{F053BAB4-BE2E-F0D2-24C5-AEBBB839786B}"/>
-              </a:ext>
-            </a:extLst>
-          </p:cNvPr>
-          <p:cNvSpPr txBox="1"/>
-          <p:nvPr/>
-        </p:nvSpPr>
-        <p:spPr>
-          <a:xfrm>
-            <a:off x="1413163" y="3593638"/>
-            <a:ext cx="4710545" cy="1729355"/>
+            <a:off x="584894" y="3569760"/>
+            <a:ext cx="10661927" cy="1729355"/>
           </a:xfrm>
           <a:prstGeom prst="rect">
             <a:avLst/>
@@ -4245,7 +4153,7 @@
             <a:pPr algn="l"/>
             <a:r>
               <a:rPr lang="en-US" altLang="zh-TW" sz="14000" dirty="0"/>
-              <a:t>HAIR</a:t>
+              <a:t>HAIRSTYLE</a:t>
             </a:r>
             <a:endParaRPr lang="zh-TW" altLang="en-US" sz="14000" dirty="0"/>
           </a:p>
@@ -4265,8 +4173,8 @@
         </p:nvSpPr>
         <p:spPr>
           <a:xfrm>
-            <a:off x="1413163" y="1699644"/>
-            <a:ext cx="3089564" cy="1729356"/>
+            <a:off x="555610" y="1675766"/>
+            <a:ext cx="6120706" cy="1729356"/>
           </a:xfrm>
           <a:prstGeom prst="rect">
             <a:avLst/>
@@ -4296,7 +4204,7 @@
             <a:pPr algn="l"/>
             <a:r>
               <a:rPr lang="en-US" altLang="zh-TW" sz="14000" dirty="0"/>
-              <a:t>MO </a:t>
+              <a:t>MORE </a:t>
             </a:r>
             <a:endParaRPr lang="zh-TW" altLang="en-US" sz="14000" dirty="0"/>
           </a:p>

--- a/uploads/MOMOHAIRSTYLE2.0.pptx
+++ b/uploads/MOMOHAIRSTYLE2.0.pptx
@@ -5,8 +5,7 @@
     <p:sldMasterId id="2147483648" r:id="rId1"/>
   </p:sldMasterIdLst>
   <p:sldIdLst>
-    <p:sldId id="256" r:id="rId2"/>
-    <p:sldId id="257" r:id="rId3"/>
+    <p:sldId id="257" r:id="rId2"/>
   </p:sldIdLst>
   <p:sldSz cx="12192000" cy="6858000"/>
   <p:notesSz cx="6858000" cy="9144000"/>
@@ -260,7 +259,7 @@
           <a:p>
             <a:fld id="{09A81EC2-38A6-CD47-B590-C2822F53E89B}" type="datetimeFigureOut">
               <a:rPr kumimoji="1" lang="zh-TW" altLang="en-US" smtClean="0"/>
-              <a:t>2026/1/30</a:t>
+              <a:t>2026/2/6</a:t>
             </a:fld>
             <a:endParaRPr kumimoji="1" lang="zh-TW" altLang="en-US"/>
           </a:p>
@@ -458,7 +457,7 @@
           <a:p>
             <a:fld id="{09A81EC2-38A6-CD47-B590-C2822F53E89B}" type="datetimeFigureOut">
               <a:rPr kumimoji="1" lang="zh-TW" altLang="en-US" smtClean="0"/>
-              <a:t>2026/1/30</a:t>
+              <a:t>2026/2/6</a:t>
             </a:fld>
             <a:endParaRPr kumimoji="1" lang="zh-TW" altLang="en-US"/>
           </a:p>
@@ -666,7 +665,7 @@
           <a:p>
             <a:fld id="{09A81EC2-38A6-CD47-B590-C2822F53E89B}" type="datetimeFigureOut">
               <a:rPr kumimoji="1" lang="zh-TW" altLang="en-US" smtClean="0"/>
-              <a:t>2026/1/30</a:t>
+              <a:t>2026/2/6</a:t>
             </a:fld>
             <a:endParaRPr kumimoji="1" lang="zh-TW" altLang="en-US"/>
           </a:p>
@@ -864,7 +863,7 @@
           <a:p>
             <a:fld id="{09A81EC2-38A6-CD47-B590-C2822F53E89B}" type="datetimeFigureOut">
               <a:rPr kumimoji="1" lang="zh-TW" altLang="en-US" smtClean="0"/>
-              <a:t>2026/1/30</a:t>
+              <a:t>2026/2/6</a:t>
             </a:fld>
             <a:endParaRPr kumimoji="1" lang="zh-TW" altLang="en-US"/>
           </a:p>
@@ -1139,7 +1138,7 @@
           <a:p>
             <a:fld id="{09A81EC2-38A6-CD47-B590-C2822F53E89B}" type="datetimeFigureOut">
               <a:rPr kumimoji="1" lang="zh-TW" altLang="en-US" smtClean="0"/>
-              <a:t>2026/1/30</a:t>
+              <a:t>2026/2/6</a:t>
             </a:fld>
             <a:endParaRPr kumimoji="1" lang="zh-TW" altLang="en-US"/>
           </a:p>
@@ -1404,7 +1403,7 @@
           <a:p>
             <a:fld id="{09A81EC2-38A6-CD47-B590-C2822F53E89B}" type="datetimeFigureOut">
               <a:rPr kumimoji="1" lang="zh-TW" altLang="en-US" smtClean="0"/>
-              <a:t>2026/1/30</a:t>
+              <a:t>2026/2/6</a:t>
             </a:fld>
             <a:endParaRPr kumimoji="1" lang="zh-TW" altLang="en-US"/>
           </a:p>
@@ -1816,7 +1815,7 @@
           <a:p>
             <a:fld id="{09A81EC2-38A6-CD47-B590-C2822F53E89B}" type="datetimeFigureOut">
               <a:rPr kumimoji="1" lang="zh-TW" altLang="en-US" smtClean="0"/>
-              <a:t>2026/1/30</a:t>
+              <a:t>2026/2/6</a:t>
             </a:fld>
             <a:endParaRPr kumimoji="1" lang="zh-TW" altLang="en-US"/>
           </a:p>
@@ -1957,7 +1956,7 @@
           <a:p>
             <a:fld id="{09A81EC2-38A6-CD47-B590-C2822F53E89B}" type="datetimeFigureOut">
               <a:rPr kumimoji="1" lang="zh-TW" altLang="en-US" smtClean="0"/>
-              <a:t>2026/1/30</a:t>
+              <a:t>2026/2/6</a:t>
             </a:fld>
             <a:endParaRPr kumimoji="1" lang="zh-TW" altLang="en-US"/>
           </a:p>
@@ -2070,7 +2069,7 @@
           <a:p>
             <a:fld id="{09A81EC2-38A6-CD47-B590-C2822F53E89B}" type="datetimeFigureOut">
               <a:rPr kumimoji="1" lang="zh-TW" altLang="en-US" smtClean="0"/>
-              <a:t>2026/1/30</a:t>
+              <a:t>2026/2/6</a:t>
             </a:fld>
             <a:endParaRPr kumimoji="1" lang="zh-TW" altLang="en-US"/>
           </a:p>
@@ -2381,7 +2380,7 @@
           <a:p>
             <a:fld id="{09A81EC2-38A6-CD47-B590-C2822F53E89B}" type="datetimeFigureOut">
               <a:rPr kumimoji="1" lang="zh-TW" altLang="en-US" smtClean="0"/>
-              <a:t>2026/1/30</a:t>
+              <a:t>2026/2/6</a:t>
             </a:fld>
             <a:endParaRPr kumimoji="1" lang="zh-TW" altLang="en-US"/>
           </a:p>
@@ -2669,7 +2668,7 @@
           <a:p>
             <a:fld id="{09A81EC2-38A6-CD47-B590-C2822F53E89B}" type="datetimeFigureOut">
               <a:rPr kumimoji="1" lang="zh-TW" altLang="en-US" smtClean="0"/>
-              <a:t>2026/1/30</a:t>
+              <a:t>2026/2/6</a:t>
             </a:fld>
             <a:endParaRPr kumimoji="1" lang="zh-TW" altLang="en-US"/>
           </a:p>
@@ -2910,7 +2909,7 @@
           <a:p>
             <a:fld id="{09A81EC2-38A6-CD47-B590-C2822F53E89B}" type="datetimeFigureOut">
               <a:rPr kumimoji="1" lang="zh-TW" altLang="en-US" smtClean="0"/>
-              <a:t>2026/1/30</a:t>
+              <a:t>2026/2/6</a:t>
             </a:fld>
             <a:endParaRPr kumimoji="1" lang="zh-TW" altLang="en-US"/>
           </a:p>
@@ -3311,243 +3310,6 @@
 </file>
 
 <file path=ppt/slides/slide1.xml><?xml version="1.0" encoding="utf-8"?>
-<p:sld xmlns:a="http://schemas.openxmlformats.org/drawingml/2006/main" xmlns:r="http://schemas.openxmlformats.org/officeDocument/2006/relationships" xmlns:p="http://schemas.openxmlformats.org/presentationml/2006/main">
-  <p:cSld>
-    <p:bg>
-      <p:bgPr>
-        <a:solidFill>
-          <a:srgbClr val="0050C7"/>
-        </a:solidFill>
-        <a:effectLst/>
-      </p:bgPr>
-    </p:bg>
-    <p:spTree>
-      <p:nvGrpSpPr>
-        <p:cNvPr id="1" name=""/>
-        <p:cNvGrpSpPr/>
-        <p:nvPr/>
-      </p:nvGrpSpPr>
-      <p:grpSpPr>
-        <a:xfrm>
-          <a:off x="0" y="0"/>
-          <a:ext cx="0" cy="0"/>
-          <a:chOff x="0" y="0"/>
-          <a:chExt cx="0" cy="0"/>
-        </a:xfrm>
-      </p:grpSpPr>
-      <p:sp>
-        <p:nvSpPr>
-          <p:cNvPr id="2" name="標題 1">
-            <a:extLst>
-              <a:ext uri="{FF2B5EF4-FFF2-40B4-BE49-F238E27FC236}">
-                <a16:creationId xmlns:a16="http://schemas.microsoft.com/office/drawing/2014/main" id="{29F7F900-D620-F373-378C-9884C59CBDA6}"/>
-              </a:ext>
-            </a:extLst>
-          </p:cNvPr>
-          <p:cNvSpPr>
-            <a:spLocks noGrp="1"/>
-          </p:cNvSpPr>
-          <p:nvPr>
-            <p:ph type="ctrTitle"/>
-          </p:nvPr>
-        </p:nvSpPr>
-        <p:spPr>
-          <a:xfrm>
-            <a:off x="5181600" y="1563457"/>
-            <a:ext cx="6068290" cy="2013671"/>
-          </a:xfrm>
-        </p:spPr>
-        <p:txBody>
-          <a:bodyPr anchor="ctr">
-            <a:noAutofit/>
-          </a:bodyPr>
-          <a:lstStyle/>
-          <a:p>
-            <a:pPr algn="r"/>
-            <a:r>
-              <a:rPr kumimoji="1" lang="en-US" altLang="zh-TW" sz="14000" b="1" dirty="0">
-                <a:latin typeface=""/>
-                <a:ea typeface="Hannotate TC" panose="03000500000000000000" pitchFamily="66" charset="-120"/>
-              </a:rPr>
-              <a:t>STYLE</a:t>
-            </a:r>
-            <a:endParaRPr kumimoji="1" lang="zh-TW" altLang="en-US" sz="14000" b="1" dirty="0">
-              <a:latin typeface=""/>
-              <a:ea typeface="Hannotate TC" panose="03000500000000000000" pitchFamily="66" charset="-120"/>
-            </a:endParaRPr>
-          </a:p>
-        </p:txBody>
-      </p:sp>
-      <p:sp>
-        <p:nvSpPr>
-          <p:cNvPr id="5" name="文字方塊 4">
-            <a:extLst>
-              <a:ext uri="{FF2B5EF4-FFF2-40B4-BE49-F238E27FC236}">
-                <a16:creationId xmlns:a16="http://schemas.microsoft.com/office/drawing/2014/main" id="{4ED63D7E-0B7A-1D20-CCAA-7C4CE3E148C4}"/>
-              </a:ext>
-            </a:extLst>
-          </p:cNvPr>
-          <p:cNvSpPr txBox="1"/>
-          <p:nvPr/>
-        </p:nvSpPr>
-        <p:spPr>
-          <a:xfrm>
-            <a:off x="6664035" y="3593638"/>
-            <a:ext cx="4585855" cy="1729356"/>
-          </a:xfrm>
-          <a:prstGeom prst="rect">
-            <a:avLst/>
-          </a:prstGeom>
-        </p:spPr>
-        <p:txBody>
-          <a:bodyPr vert="horz" lIns="91440" tIns="45720" rIns="91440" bIns="45720" rtlCol="0" anchor="ctr">
-            <a:noAutofit/>
-          </a:bodyPr>
-          <a:lstStyle>
-            <a:defPPr>
-              <a:defRPr lang="zh-TW"/>
-            </a:defPPr>
-            <a:lvl1pPr algn="ctr">
-              <a:lnSpc>
-                <a:spcPct val="90000"/>
-              </a:lnSpc>
-              <a:spcBef>
-                <a:spcPct val="0"/>
-              </a:spcBef>
-              <a:buNone/>
-              <a:defRPr kumimoji="1" sz="14000" b="1">
-                <a:latin typeface=""/>
-                <a:ea typeface="Hannotate TC" panose="03000500000000000000" pitchFamily="66" charset="-120"/>
-                <a:cs typeface="+mj-cs"/>
-              </a:defRPr>
-            </a:lvl1pPr>
-          </a:lstStyle>
-          <a:p>
-            <a:pPr algn="r"/>
-            <a:r>
-              <a:rPr lang="en-US" altLang="zh-TW" dirty="0"/>
-              <a:t>MO</a:t>
-            </a:r>
-            <a:endParaRPr lang="zh-TW" altLang="en-US" dirty="0"/>
-          </a:p>
-        </p:txBody>
-      </p:sp>
-      <p:sp>
-        <p:nvSpPr>
-          <p:cNvPr id="7" name="文字方塊 6">
-            <a:extLst>
-              <a:ext uri="{FF2B5EF4-FFF2-40B4-BE49-F238E27FC236}">
-                <a16:creationId xmlns:a16="http://schemas.microsoft.com/office/drawing/2014/main" id="{66602CB2-CAA4-4BFD-A622-EF8CE5474348}"/>
-              </a:ext>
-            </a:extLst>
-          </p:cNvPr>
-          <p:cNvSpPr txBox="1"/>
-          <p:nvPr/>
-        </p:nvSpPr>
-        <p:spPr>
-          <a:xfrm>
-            <a:off x="1413163" y="3593638"/>
-            <a:ext cx="4710545" cy="1729355"/>
-          </a:xfrm>
-          <a:prstGeom prst="rect">
-            <a:avLst/>
-          </a:prstGeom>
-        </p:spPr>
-        <p:txBody>
-          <a:bodyPr vert="horz" lIns="91440" tIns="45720" rIns="91440" bIns="45720" rtlCol="0" anchor="ctr">
-            <a:noAutofit/>
-          </a:bodyPr>
-          <a:lstStyle>
-            <a:lvl1pPr algn="ctr">
-              <a:lnSpc>
-                <a:spcPct val="90000"/>
-              </a:lnSpc>
-              <a:spcBef>
-                <a:spcPct val="0"/>
-              </a:spcBef>
-              <a:buNone/>
-              <a:defRPr kumimoji="1" sz="6000" b="1">
-                <a:latin typeface=""/>
-                <a:ea typeface="Hannotate TC" panose="03000500000000000000" pitchFamily="66" charset="-120"/>
-                <a:cs typeface="+mj-cs"/>
-              </a:defRPr>
-            </a:lvl1pPr>
-          </a:lstStyle>
-          <a:p>
-            <a:pPr algn="l"/>
-            <a:r>
-              <a:rPr lang="en-US" altLang="zh-TW" sz="14000" dirty="0"/>
-              <a:t>HAIR</a:t>
-            </a:r>
-            <a:endParaRPr lang="zh-TW" altLang="en-US" sz="14000" dirty="0"/>
-          </a:p>
-        </p:txBody>
-      </p:sp>
-      <p:sp>
-        <p:nvSpPr>
-          <p:cNvPr id="9" name="文字方塊 8">
-            <a:extLst>
-              <a:ext uri="{FF2B5EF4-FFF2-40B4-BE49-F238E27FC236}">
-                <a16:creationId xmlns:a16="http://schemas.microsoft.com/office/drawing/2014/main" id="{2F180BAA-8B08-E022-645E-8FE0FB542F12}"/>
-              </a:ext>
-            </a:extLst>
-          </p:cNvPr>
-          <p:cNvSpPr txBox="1"/>
-          <p:nvPr/>
-        </p:nvSpPr>
-        <p:spPr>
-          <a:xfrm>
-            <a:off x="1413163" y="1699644"/>
-            <a:ext cx="3089564" cy="1729356"/>
-          </a:xfrm>
-          <a:prstGeom prst="rect">
-            <a:avLst/>
-          </a:prstGeom>
-        </p:spPr>
-        <p:txBody>
-          <a:bodyPr vert="horz" lIns="91440" tIns="45720" rIns="91440" bIns="45720" rtlCol="0" anchor="ctr">
-            <a:noAutofit/>
-          </a:bodyPr>
-          <a:lstStyle>
-            <a:lvl1pPr algn="ctr">
-              <a:lnSpc>
-                <a:spcPct val="90000"/>
-              </a:lnSpc>
-              <a:spcBef>
-                <a:spcPct val="0"/>
-              </a:spcBef>
-              <a:buNone/>
-              <a:defRPr kumimoji="1" sz="6000" b="1">
-                <a:latin typeface=""/>
-                <a:ea typeface="Hannotate TC" panose="03000500000000000000" pitchFamily="66" charset="-120"/>
-                <a:cs typeface="+mj-cs"/>
-              </a:defRPr>
-            </a:lvl1pPr>
-          </a:lstStyle>
-          <a:p>
-            <a:pPr algn="l"/>
-            <a:r>
-              <a:rPr lang="en-US" altLang="zh-TW" sz="14000" dirty="0"/>
-              <a:t>MO </a:t>
-            </a:r>
-            <a:endParaRPr lang="zh-TW" altLang="en-US" sz="14000" dirty="0"/>
-          </a:p>
-        </p:txBody>
-      </p:sp>
-    </p:spTree>
-    <p:extLst>
-      <p:ext uri="{BB962C8B-B14F-4D97-AF65-F5344CB8AC3E}">
-        <p14:creationId xmlns:p14="http://schemas.microsoft.com/office/powerpoint/2010/main" val="1663224007"/>
-      </p:ext>
-    </p:extLst>
-  </p:cSld>
-  <p:clrMapOvr>
-    <a:masterClrMapping/>
-  </p:clrMapOvr>
-</p:sld>
-</file>
-
-<file path=ppt/slides/slide2.xml><?xml version="1.0" encoding="utf-8"?>
 <p:sld xmlns:a="http://schemas.openxmlformats.org/drawingml/2006/main" xmlns:r="http://schemas.openxmlformats.org/officeDocument/2006/relationships" xmlns:p="http://schemas.openxmlformats.org/presentationml/2006/main">
   <p:cSld>
     <p:bg>
